--- a/Presentation/ENG100 Presentation.pptx
+++ b/Presentation/ENG100 Presentation.pptx
@@ -6051,7 +6051,7 @@
             <a:tbl>
               <a:tblPr>
                 <a:noFill/>
-                <a:tableStyleId>{33B7B609-B209-4B07-9600-44A35744638A}</a:tableStyleId>
+                <a:tableStyleId>{E550B581-EEEF-4063-A7EF-232522EA4822}</a:tableStyleId>
               </a:tblPr>
               <a:tblGrid>
                 <a:gridCol w="1322450"/>
@@ -6834,7 +6834,7 @@
             <a:tbl>
               <a:tblPr>
                 <a:noFill/>
-                <a:tableStyleId>{DF3418E8-420B-4EAA-9419-9F3C28FA1473}</a:tableStyleId>
+                <a:tableStyleId>{4419A2C0-D835-4BCE-A1FB-1C9BD85453E1}</a:tableStyleId>
               </a:tblPr>
               <a:tblGrid>
                 <a:gridCol w="478100"/>
@@ -7429,7 +7429,7 @@
             <a:tbl>
               <a:tblPr>
                 <a:noFill/>
-                <a:tableStyleId>{3445D3CE-964F-4BC6-9C2B-1122CA81839B}</a:tableStyleId>
+                <a:tableStyleId>{69738B2E-7E7D-43BE-8C86-7E09BE702A0F}</a:tableStyleId>
               </a:tblPr>
               <a:tblGrid>
                 <a:gridCol w="525375"/>
@@ -8447,7 +8447,7 @@
             <a:tbl>
               <a:tblPr>
                 <a:noFill/>
-                <a:tableStyleId>{DBDE7E4E-AA24-490A-B965-D5268AA69CCF}</a:tableStyleId>
+                <a:tableStyleId>{ABB37D37-B2F5-4643-AA64-6DAA8B66ADBD}</a:tableStyleId>
               </a:tblPr>
               <a:tblGrid>
                 <a:gridCol w="2000425"/>
@@ -9460,7 +9460,7 @@
                 <a:cs typeface="Ubuntu"/>
                 <a:sym typeface="Ubuntu"/>
               </a:rPr>
-              <a:t>github.com/AnthonyLam/solaaaar</a:t>
+              <a:t>github.com/AnthonyLam/solaaar</a:t>
             </a:r>
           </a:p>
         </p:txBody>
